--- a/Figure-4-4/Figure44/Figure44_fullpage.pptx
+++ b/Figure-4-4/Figure44/Figure44_fullpage.pptx
@@ -673,6 +673,284 @@
             <a:r>
               <a:rPr/>
               <a:t>(2020-21)</a:t>
+            </a:r>
+          </a:p>
+          <a:p>
+            <a:pPr lvl="0" marL="0" indent="0">
+              <a:buNone/>
+            </a:pPr>
+          </a:p>
+          <a:p>
+            <a:pPr lvl="0" marL="0" indent="0">
+              <a:buNone/>
+            </a:pPr>
+            <a:r>
+              <a:rPr/>
+              <a:t>Notes:</a:t>
+            </a:r>
+            <a:r>
+              <a:rPr/>
+              <a:t> </a:t>
+            </a:r>
+            <a:r>
+              <a:rPr/>
+              <a:t>Projections</a:t>
+            </a:r>
+            <a:r>
+              <a:rPr/>
+              <a:t> </a:t>
+            </a:r>
+            <a:r>
+              <a:rPr/>
+              <a:t>to</a:t>
+            </a:r>
+            <a:r>
+              <a:rPr/>
+              <a:t> </a:t>
+            </a:r>
+            <a:r>
+              <a:rPr/>
+              <a:t>2020-21</a:t>
+            </a:r>
+            <a:r>
+              <a:rPr/>
+              <a:t> </a:t>
+            </a:r>
+            <a:r>
+              <a:rPr/>
+              <a:t>assume</a:t>
+            </a:r>
+            <a:r>
+              <a:rPr/>
+              <a:t> </a:t>
+            </a:r>
+            <a:r>
+              <a:rPr/>
+              <a:t>2%</a:t>
+            </a:r>
+            <a:r>
+              <a:rPr/>
+              <a:t> </a:t>
+            </a:r>
+            <a:r>
+              <a:rPr/>
+              <a:t>wage</a:t>
+            </a:r>
+            <a:r>
+              <a:rPr/>
+              <a:t> </a:t>
+            </a:r>
+            <a:r>
+              <a:rPr/>
+              <a:t>growth</a:t>
+            </a:r>
+            <a:r>
+              <a:rPr/>
+              <a:t> </a:t>
+            </a:r>
+            <a:r>
+              <a:rPr/>
+              <a:t>and</a:t>
+            </a:r>
+            <a:r>
+              <a:rPr/>
+              <a:t> </a:t>
+            </a:r>
+            <a:r>
+              <a:rPr/>
+              <a:t>0%</a:t>
+            </a:r>
+            <a:r>
+              <a:rPr/>
+              <a:t> </a:t>
+            </a:r>
+            <a:r>
+              <a:rPr/>
+              <a:t>growth</a:t>
+            </a:r>
+            <a:r>
+              <a:rPr/>
+              <a:t> </a:t>
+            </a:r>
+            <a:r>
+              <a:rPr/>
+              <a:t>in</a:t>
+            </a:r>
+            <a:r>
+              <a:rPr/>
+              <a:t> </a:t>
+            </a:r>
+            <a:r>
+              <a:rPr/>
+              <a:t>the</a:t>
+            </a:r>
+            <a:r>
+              <a:rPr/>
+              <a:t> </a:t>
+            </a:r>
+            <a:r>
+              <a:rPr/>
+              <a:t>number</a:t>
+            </a:r>
+            <a:r>
+              <a:rPr/>
+              <a:t> </a:t>
+            </a:r>
+            <a:r>
+              <a:rPr/>
+              <a:t>of</a:t>
+            </a:r>
+            <a:r>
+              <a:rPr/>
+              <a:t> </a:t>
+            </a:r>
+            <a:r>
+              <a:rPr/>
+              <a:t>taxfilers</a:t>
+            </a:r>
+            <a:r>
+              <a:rPr/>
+              <a:t> </a:t>
+            </a:r>
+            <a:r>
+              <a:rPr/>
+              <a:t>from</a:t>
+            </a:r>
+            <a:r>
+              <a:rPr/>
+              <a:t> </a:t>
+            </a:r>
+            <a:r>
+              <a:rPr/>
+              <a:t>2019-20</a:t>
+            </a:r>
+            <a:r>
+              <a:rPr/>
+              <a:t> </a:t>
+            </a:r>
+            <a:r>
+              <a:rPr/>
+              <a:t>to</a:t>
+            </a:r>
+            <a:r>
+              <a:rPr/>
+              <a:t> </a:t>
+            </a:r>
+            <a:r>
+              <a:rPr/>
+              <a:t>2020-21.</a:t>
+            </a:r>
+            <a:r>
+              <a:rPr/>
+              <a:t> </a:t>
+            </a:r>
+            <a:r>
+              <a:rPr/>
+              <a:t>Taxable</a:t>
+            </a:r>
+            <a:r>
+              <a:rPr/>
+              <a:t> </a:t>
+            </a:r>
+            <a:r>
+              <a:rPr/>
+              <a:t>income</a:t>
+            </a:r>
+            <a:r>
+              <a:rPr/>
+              <a:t> </a:t>
+            </a:r>
+            <a:r>
+              <a:rPr/>
+              <a:t>deciles</a:t>
+            </a:r>
+            <a:r>
+              <a:rPr/>
+              <a:t> </a:t>
+            </a:r>
+            <a:r>
+              <a:rPr/>
+              <a:t>based</a:t>
+            </a:r>
+            <a:r>
+              <a:rPr/>
+              <a:t> </a:t>
+            </a:r>
+            <a:r>
+              <a:rPr/>
+              <a:t>on</a:t>
+            </a:r>
+            <a:r>
+              <a:rPr/>
+              <a:t> </a:t>
+            </a:r>
+            <a:r>
+              <a:rPr/>
+              <a:t>50+</a:t>
+            </a:r>
+            <a:r>
+              <a:rPr/>
+              <a:t> </a:t>
+            </a:r>
+            <a:r>
+              <a:rPr/>
+              <a:t>taxfilers</a:t>
+            </a:r>
+            <a:r>
+              <a:rPr/>
+              <a:t> </a:t>
+            </a:r>
+            <a:r>
+              <a:rPr/>
+              <a:t>only.</a:t>
+            </a:r>
+            <a:r>
+              <a:rPr/>
+              <a:t> </a:t>
+            </a:r>
+            <a:r>
+              <a:rPr/>
+              <a:t>Source:</a:t>
+            </a:r>
+            <a:r>
+              <a:rPr/>
+              <a:t> </a:t>
+            </a:r>
+            <a:r>
+              <a:rPr/>
+              <a:t>ATO</a:t>
+            </a:r>
+            <a:r>
+              <a:rPr/>
+              <a:t> </a:t>
+            </a:r>
+            <a:r>
+              <a:rPr/>
+              <a:t>2017-18</a:t>
+            </a:r>
+            <a:r>
+              <a:rPr/>
+              <a:t> </a:t>
+            </a:r>
+            <a:r>
+              <a:rPr/>
+              <a:t>2%</a:t>
+            </a:r>
+            <a:r>
+              <a:rPr/>
+              <a:t> </a:t>
+            </a:r>
+            <a:r>
+              <a:rPr/>
+              <a:t>sample</a:t>
+            </a:r>
+            <a:r>
+              <a:rPr/>
+              <a:t> </a:t>
+            </a:r>
+            <a:r>
+              <a:rPr/>
+              <a:t>file</a:t>
             </a:r>
           </a:p>
           <a:p>
